--- a/Assets/Cake.pptx
+++ b/Assets/Cake.pptx
@@ -4,11 +4,16 @@
   <p:sldMasterIdLst>
     <p:sldMasterId id="2147483648" r:id="rId1"/>
   </p:sldMasterIdLst>
+  <p:notesMasterIdLst>
+    <p:notesMasterId r:id="rId5"/>
+  </p:notesMasterIdLst>
   <p:sldIdLst>
-    <p:sldId id="256" r:id="rId2"/>
+    <p:sldId id="257" r:id="rId2"/>
+    <p:sldId id="258" r:id="rId3"/>
+    <p:sldId id="259" r:id="rId4"/>
   </p:sldIdLst>
   <p:sldSz cx="12192000" cy="6858000"/>
-  <p:notesSz cx="6858000" cy="9144000"/>
+  <p:notesSz cx="7010400" cy="9296400"/>
   <p:defaultTextStyle>
     <a:defPPr>
       <a:defRPr lang="en-US"/>
@@ -104,7 +109,362 @@
       </a:defRPr>
     </a:lvl9pPr>
   </p:defaultTextStyle>
+  <p:extLst>
+    <p:ext uri="{EFAFB233-063F-42B5-8137-9DF3F51BA10A}">
+      <p15:sldGuideLst xmlns:p15="http://schemas.microsoft.com/office/powerpoint/2012/main"/>
+    </p:ext>
+  </p:extLst>
 </p:presentation>
+</file>
+
+<file path=ppt/notesMasters/notesMaster1.xml><?xml version="1.0" encoding="utf-8"?>
+<p:notesMaster xmlns:a="http://schemas.openxmlformats.org/drawingml/2006/main" xmlns:r="http://schemas.openxmlformats.org/officeDocument/2006/relationships" xmlns:p="http://schemas.openxmlformats.org/presentationml/2006/main">
+  <p:cSld>
+    <p:bg>
+      <p:bgRef idx="1001">
+        <a:schemeClr val="bg1"/>
+      </p:bgRef>
+    </p:bg>
+    <p:spTree>
+      <p:nvGrpSpPr>
+        <p:cNvPr id="1" name=""/>
+        <p:cNvGrpSpPr/>
+        <p:nvPr/>
+      </p:nvGrpSpPr>
+      <p:grpSpPr>
+        <a:xfrm>
+          <a:off x="0" y="0"/>
+          <a:ext cx="0" cy="0"/>
+          <a:chOff x="0" y="0"/>
+          <a:chExt cx="0" cy="0"/>
+        </a:xfrm>
+      </p:grpSpPr>
+      <p:sp>
+        <p:nvSpPr>
+          <p:cNvPr id="2" name="Header Placeholder 1"/>
+          <p:cNvSpPr>
+            <a:spLocks noGrp="1"/>
+          </p:cNvSpPr>
+          <p:nvPr>
+            <p:ph type="hdr" sz="quarter"/>
+          </p:nvPr>
+        </p:nvSpPr>
+        <p:spPr>
+          <a:xfrm>
+            <a:off x="0" y="0"/>
+            <a:ext cx="3038475" cy="466725"/>
+          </a:xfrm>
+          <a:prstGeom prst="rect">
+            <a:avLst/>
+          </a:prstGeom>
+        </p:spPr>
+        <p:txBody>
+          <a:bodyPr vert="horz" lIns="91440" tIns="45720" rIns="91440" bIns="45720" rtlCol="0"/>
+          <a:lstStyle>
+            <a:lvl1pPr algn="l">
+              <a:defRPr sz="1200"/>
+            </a:lvl1pPr>
+          </a:lstStyle>
+          <a:p>
+            <a:endParaRPr lang="en-US"/>
+          </a:p>
+        </p:txBody>
+      </p:sp>
+      <p:sp>
+        <p:nvSpPr>
+          <p:cNvPr id="3" name="Date Placeholder 2"/>
+          <p:cNvSpPr>
+            <a:spLocks noGrp="1"/>
+          </p:cNvSpPr>
+          <p:nvPr>
+            <p:ph type="dt" idx="1"/>
+          </p:nvPr>
+        </p:nvSpPr>
+        <p:spPr>
+          <a:xfrm>
+            <a:off x="3970338" y="0"/>
+            <a:ext cx="3038475" cy="466725"/>
+          </a:xfrm>
+          <a:prstGeom prst="rect">
+            <a:avLst/>
+          </a:prstGeom>
+        </p:spPr>
+        <p:txBody>
+          <a:bodyPr vert="horz" lIns="91440" tIns="45720" rIns="91440" bIns="45720" rtlCol="0"/>
+          <a:lstStyle>
+            <a:lvl1pPr algn="r">
+              <a:defRPr sz="1200"/>
+            </a:lvl1pPr>
+          </a:lstStyle>
+          <a:p>
+            <a:fld id="{CF7455F4-6A7E-4209-B7C9-1D2102B3DE76}" type="datetimeFigureOut">
+              <a:rPr lang="en-US" smtClean="0"/>
+              <a:t>12/18/2018</a:t>
+            </a:fld>
+            <a:endParaRPr lang="en-US"/>
+          </a:p>
+        </p:txBody>
+      </p:sp>
+      <p:sp>
+        <p:nvSpPr>
+          <p:cNvPr id="4" name="Slide Image Placeholder 3"/>
+          <p:cNvSpPr>
+            <a:spLocks noGrp="1" noRot="1" noChangeAspect="1"/>
+          </p:cNvSpPr>
+          <p:nvPr>
+            <p:ph type="sldImg" idx="2"/>
+          </p:nvPr>
+        </p:nvSpPr>
+        <p:spPr>
+          <a:xfrm>
+            <a:off x="717550" y="1162050"/>
+            <a:ext cx="5575300" cy="3136900"/>
+          </a:xfrm>
+          <a:prstGeom prst="rect">
+            <a:avLst/>
+          </a:prstGeom>
+          <a:noFill/>
+          <a:ln w="12700">
+            <a:solidFill>
+              <a:prstClr val="black"/>
+            </a:solidFill>
+          </a:ln>
+        </p:spPr>
+        <p:txBody>
+          <a:bodyPr vert="horz" lIns="91440" tIns="45720" rIns="91440" bIns="45720" rtlCol="0" anchor="ctr"/>
+          <a:lstStyle/>
+          <a:p>
+            <a:endParaRPr lang="en-US"/>
+          </a:p>
+        </p:txBody>
+      </p:sp>
+      <p:sp>
+        <p:nvSpPr>
+          <p:cNvPr id="5" name="Notes Placeholder 4"/>
+          <p:cNvSpPr>
+            <a:spLocks noGrp="1"/>
+          </p:cNvSpPr>
+          <p:nvPr>
+            <p:ph type="body" sz="quarter" idx="3"/>
+          </p:nvPr>
+        </p:nvSpPr>
+        <p:spPr>
+          <a:xfrm>
+            <a:off x="701675" y="4473575"/>
+            <a:ext cx="5607050" cy="3660775"/>
+          </a:xfrm>
+          <a:prstGeom prst="rect">
+            <a:avLst/>
+          </a:prstGeom>
+        </p:spPr>
+        <p:txBody>
+          <a:bodyPr vert="horz" lIns="91440" tIns="45720" rIns="91440" bIns="45720" rtlCol="0"/>
+          <a:lstStyle/>
+          <a:p>
+            <a:pPr lvl="0"/>
+            <a:r>
+              <a:rPr lang="en-US" smtClean="0"/>
+              <a:t>Edit Master text styles</a:t>
+            </a:r>
+          </a:p>
+          <a:p>
+            <a:pPr lvl="1"/>
+            <a:r>
+              <a:rPr lang="en-US" smtClean="0"/>
+              <a:t>Second level</a:t>
+            </a:r>
+          </a:p>
+          <a:p>
+            <a:pPr lvl="2"/>
+            <a:r>
+              <a:rPr lang="en-US" smtClean="0"/>
+              <a:t>Third level</a:t>
+            </a:r>
+          </a:p>
+          <a:p>
+            <a:pPr lvl="3"/>
+            <a:r>
+              <a:rPr lang="en-US" smtClean="0"/>
+              <a:t>Fourth level</a:t>
+            </a:r>
+          </a:p>
+          <a:p>
+            <a:pPr lvl="4"/>
+            <a:r>
+              <a:rPr lang="en-US" smtClean="0"/>
+              <a:t>Fifth level</a:t>
+            </a:r>
+            <a:endParaRPr lang="en-US"/>
+          </a:p>
+        </p:txBody>
+      </p:sp>
+      <p:sp>
+        <p:nvSpPr>
+          <p:cNvPr id="6" name="Footer Placeholder 5"/>
+          <p:cNvSpPr>
+            <a:spLocks noGrp="1"/>
+          </p:cNvSpPr>
+          <p:nvPr>
+            <p:ph type="ftr" sz="quarter" idx="4"/>
+          </p:nvPr>
+        </p:nvSpPr>
+        <p:spPr>
+          <a:xfrm>
+            <a:off x="0" y="8829675"/>
+            <a:ext cx="3038475" cy="466725"/>
+          </a:xfrm>
+          <a:prstGeom prst="rect">
+            <a:avLst/>
+          </a:prstGeom>
+        </p:spPr>
+        <p:txBody>
+          <a:bodyPr vert="horz" lIns="91440" tIns="45720" rIns="91440" bIns="45720" rtlCol="0" anchor="b"/>
+          <a:lstStyle>
+            <a:lvl1pPr algn="l">
+              <a:defRPr sz="1200"/>
+            </a:lvl1pPr>
+          </a:lstStyle>
+          <a:p>
+            <a:endParaRPr lang="en-US"/>
+          </a:p>
+        </p:txBody>
+      </p:sp>
+      <p:sp>
+        <p:nvSpPr>
+          <p:cNvPr id="7" name="Slide Number Placeholder 6"/>
+          <p:cNvSpPr>
+            <a:spLocks noGrp="1"/>
+          </p:cNvSpPr>
+          <p:nvPr>
+            <p:ph type="sldNum" sz="quarter" idx="5"/>
+          </p:nvPr>
+        </p:nvSpPr>
+        <p:spPr>
+          <a:xfrm>
+            <a:off x="3970338" y="8829675"/>
+            <a:ext cx="3038475" cy="466725"/>
+          </a:xfrm>
+          <a:prstGeom prst="rect">
+            <a:avLst/>
+          </a:prstGeom>
+        </p:spPr>
+        <p:txBody>
+          <a:bodyPr vert="horz" lIns="91440" tIns="45720" rIns="91440" bIns="45720" rtlCol="0" anchor="b"/>
+          <a:lstStyle>
+            <a:lvl1pPr algn="r">
+              <a:defRPr sz="1200"/>
+            </a:lvl1pPr>
+          </a:lstStyle>
+          <a:p>
+            <a:fld id="{6F11EFCA-196E-4A36-AA00-B1FE2CBDA0B2}" type="slidenum">
+              <a:rPr lang="en-US" smtClean="0"/>
+              <a:t>‹#›</a:t>
+            </a:fld>
+            <a:endParaRPr lang="en-US"/>
+          </a:p>
+        </p:txBody>
+      </p:sp>
+    </p:spTree>
+    <p:extLst>
+      <p:ext uri="{BB962C8B-B14F-4D97-AF65-F5344CB8AC3E}">
+        <p14:creationId xmlns:p14="http://schemas.microsoft.com/office/powerpoint/2010/main" val="675700411"/>
+      </p:ext>
+    </p:extLst>
+  </p:cSld>
+  <p:clrMap bg1="lt1" tx1="dk1" bg2="lt2" tx2="dk2" accent1="accent1" accent2="accent2" accent3="accent3" accent4="accent4" accent5="accent5" accent6="accent6" hlink="hlink" folHlink="folHlink"/>
+  <p:notesStyle>
+    <a:lvl1pPr marL="0" algn="l" defTabSz="914400" rtl="0" eaLnBrk="1" latinLnBrk="0" hangingPunct="1">
+      <a:defRPr sz="1200" kern="1200">
+        <a:solidFill>
+          <a:schemeClr val="tx1"/>
+        </a:solidFill>
+        <a:latin typeface="+mn-lt"/>
+        <a:ea typeface="+mn-ea"/>
+        <a:cs typeface="+mn-cs"/>
+      </a:defRPr>
+    </a:lvl1pPr>
+    <a:lvl2pPr marL="457200" algn="l" defTabSz="914400" rtl="0" eaLnBrk="1" latinLnBrk="0" hangingPunct="1">
+      <a:defRPr sz="1200" kern="1200">
+        <a:solidFill>
+          <a:schemeClr val="tx1"/>
+        </a:solidFill>
+        <a:latin typeface="+mn-lt"/>
+        <a:ea typeface="+mn-ea"/>
+        <a:cs typeface="+mn-cs"/>
+      </a:defRPr>
+    </a:lvl2pPr>
+    <a:lvl3pPr marL="914400" algn="l" defTabSz="914400" rtl="0" eaLnBrk="1" latinLnBrk="0" hangingPunct="1">
+      <a:defRPr sz="1200" kern="1200">
+        <a:solidFill>
+          <a:schemeClr val="tx1"/>
+        </a:solidFill>
+        <a:latin typeface="+mn-lt"/>
+        <a:ea typeface="+mn-ea"/>
+        <a:cs typeface="+mn-cs"/>
+      </a:defRPr>
+    </a:lvl3pPr>
+    <a:lvl4pPr marL="1371600" algn="l" defTabSz="914400" rtl="0" eaLnBrk="1" latinLnBrk="0" hangingPunct="1">
+      <a:defRPr sz="1200" kern="1200">
+        <a:solidFill>
+          <a:schemeClr val="tx1"/>
+        </a:solidFill>
+        <a:latin typeface="+mn-lt"/>
+        <a:ea typeface="+mn-ea"/>
+        <a:cs typeface="+mn-cs"/>
+      </a:defRPr>
+    </a:lvl4pPr>
+    <a:lvl5pPr marL="1828800" algn="l" defTabSz="914400" rtl="0" eaLnBrk="1" latinLnBrk="0" hangingPunct="1">
+      <a:defRPr sz="1200" kern="1200">
+        <a:solidFill>
+          <a:schemeClr val="tx1"/>
+        </a:solidFill>
+        <a:latin typeface="+mn-lt"/>
+        <a:ea typeface="+mn-ea"/>
+        <a:cs typeface="+mn-cs"/>
+      </a:defRPr>
+    </a:lvl5pPr>
+    <a:lvl6pPr marL="2286000" algn="l" defTabSz="914400" rtl="0" eaLnBrk="1" latinLnBrk="0" hangingPunct="1">
+      <a:defRPr sz="1200" kern="1200">
+        <a:solidFill>
+          <a:schemeClr val="tx1"/>
+        </a:solidFill>
+        <a:latin typeface="+mn-lt"/>
+        <a:ea typeface="+mn-ea"/>
+        <a:cs typeface="+mn-cs"/>
+      </a:defRPr>
+    </a:lvl6pPr>
+    <a:lvl7pPr marL="2743200" algn="l" defTabSz="914400" rtl="0" eaLnBrk="1" latinLnBrk="0" hangingPunct="1">
+      <a:defRPr sz="1200" kern="1200">
+        <a:solidFill>
+          <a:schemeClr val="tx1"/>
+        </a:solidFill>
+        <a:latin typeface="+mn-lt"/>
+        <a:ea typeface="+mn-ea"/>
+        <a:cs typeface="+mn-cs"/>
+      </a:defRPr>
+    </a:lvl7pPr>
+    <a:lvl8pPr marL="3200400" algn="l" defTabSz="914400" rtl="0" eaLnBrk="1" latinLnBrk="0" hangingPunct="1">
+      <a:defRPr sz="1200" kern="1200">
+        <a:solidFill>
+          <a:schemeClr val="tx1"/>
+        </a:solidFill>
+        <a:latin typeface="+mn-lt"/>
+        <a:ea typeface="+mn-ea"/>
+        <a:cs typeface="+mn-cs"/>
+      </a:defRPr>
+    </a:lvl8pPr>
+    <a:lvl9pPr marL="3657600" algn="l" defTabSz="914400" rtl="0" eaLnBrk="1" latinLnBrk="0" hangingPunct="1">
+      <a:defRPr sz="1200" kern="1200">
+        <a:solidFill>
+          <a:schemeClr val="tx1"/>
+        </a:solidFill>
+        <a:latin typeface="+mn-lt"/>
+        <a:ea typeface="+mn-ea"/>
+        <a:cs typeface="+mn-cs"/>
+      </a:defRPr>
+    </a:lvl9pPr>
+  </p:notesStyle>
+</p:notesMaster>
 </file>
 
 <file path=ppt/slideLayouts/slideLayout1.xml><?xml version="1.0" encoding="utf-8"?>
@@ -238,7 +598,7 @@
           <a:p>
             <a:fld id="{244EE165-F9DF-4799-B777-8A203CA9CDFB}" type="datetimeFigureOut">
               <a:rPr lang="en-US" smtClean="0"/>
-              <a:t>10/12/2018</a:t>
+              <a:t>12/18/2018</a:t>
             </a:fld>
             <a:endParaRPr lang="en-US"/>
           </a:p>
@@ -408,7 +768,7 @@
           <a:p>
             <a:fld id="{244EE165-F9DF-4799-B777-8A203CA9CDFB}" type="datetimeFigureOut">
               <a:rPr lang="en-US" smtClean="0"/>
-              <a:t>10/12/2018</a:t>
+              <a:t>12/18/2018</a:t>
             </a:fld>
             <a:endParaRPr lang="en-US"/>
           </a:p>
@@ -588,7 +948,7 @@
           <a:p>
             <a:fld id="{244EE165-F9DF-4799-B777-8A203CA9CDFB}" type="datetimeFigureOut">
               <a:rPr lang="en-US" smtClean="0"/>
-              <a:t>10/12/2018</a:t>
+              <a:t>12/18/2018</a:t>
             </a:fld>
             <a:endParaRPr lang="en-US"/>
           </a:p>
@@ -758,7 +1118,7 @@
           <a:p>
             <a:fld id="{244EE165-F9DF-4799-B777-8A203CA9CDFB}" type="datetimeFigureOut">
               <a:rPr lang="en-US" smtClean="0"/>
-              <a:t>10/12/2018</a:t>
+              <a:t>12/18/2018</a:t>
             </a:fld>
             <a:endParaRPr lang="en-US"/>
           </a:p>
@@ -1004,7 +1364,7 @@
           <a:p>
             <a:fld id="{244EE165-F9DF-4799-B777-8A203CA9CDFB}" type="datetimeFigureOut">
               <a:rPr lang="en-US" smtClean="0"/>
-              <a:t>10/12/2018</a:t>
+              <a:t>12/18/2018</a:t>
             </a:fld>
             <a:endParaRPr lang="en-US"/>
           </a:p>
@@ -1236,7 +1596,7 @@
           <a:p>
             <a:fld id="{244EE165-F9DF-4799-B777-8A203CA9CDFB}" type="datetimeFigureOut">
               <a:rPr lang="en-US" smtClean="0"/>
-              <a:t>10/12/2018</a:t>
+              <a:t>12/18/2018</a:t>
             </a:fld>
             <a:endParaRPr lang="en-US"/>
           </a:p>
@@ -1603,7 +1963,7 @@
           <a:p>
             <a:fld id="{244EE165-F9DF-4799-B777-8A203CA9CDFB}" type="datetimeFigureOut">
               <a:rPr lang="en-US" smtClean="0"/>
-              <a:t>10/12/2018</a:t>
+              <a:t>12/18/2018</a:t>
             </a:fld>
             <a:endParaRPr lang="en-US"/>
           </a:p>
@@ -1721,7 +2081,7 @@
           <a:p>
             <a:fld id="{244EE165-F9DF-4799-B777-8A203CA9CDFB}" type="datetimeFigureOut">
               <a:rPr lang="en-US" smtClean="0"/>
-              <a:t>10/12/2018</a:t>
+              <a:t>12/18/2018</a:t>
             </a:fld>
             <a:endParaRPr lang="en-US"/>
           </a:p>
@@ -1816,7 +2176,7 @@
           <a:p>
             <a:fld id="{244EE165-F9DF-4799-B777-8A203CA9CDFB}" type="datetimeFigureOut">
               <a:rPr lang="en-US" smtClean="0"/>
-              <a:t>10/12/2018</a:t>
+              <a:t>12/18/2018</a:t>
             </a:fld>
             <a:endParaRPr lang="en-US"/>
           </a:p>
@@ -2093,7 +2453,7 @@
           <a:p>
             <a:fld id="{244EE165-F9DF-4799-B777-8A203CA9CDFB}" type="datetimeFigureOut">
               <a:rPr lang="en-US" smtClean="0"/>
-              <a:t>10/12/2018</a:t>
+              <a:t>12/18/2018</a:t>
             </a:fld>
             <a:endParaRPr lang="en-US"/>
           </a:p>
@@ -2346,7 +2706,7 @@
           <a:p>
             <a:fld id="{244EE165-F9DF-4799-B777-8A203CA9CDFB}" type="datetimeFigureOut">
               <a:rPr lang="en-US" smtClean="0"/>
-              <a:t>10/12/2018</a:t>
+              <a:t>12/18/2018</a:t>
             </a:fld>
             <a:endParaRPr lang="en-US"/>
           </a:p>
@@ -2559,7 +2919,7 @@
           <a:p>
             <a:fld id="{244EE165-F9DF-4799-B777-8A203CA9CDFB}" type="datetimeFigureOut">
               <a:rPr lang="en-US" smtClean="0"/>
-              <a:t>10/12/2018</a:t>
+              <a:t>12/18/2018</a:t>
             </a:fld>
             <a:endParaRPr lang="en-US"/>
           </a:p>
@@ -2966,24 +3326,821 @@
       </p:grpSpPr>
       <p:sp>
         <p:nvSpPr>
-          <p:cNvPr id="4" name="Oval 3"/>
+          <p:cNvPr id="2" name="Title 1"/>
+          <p:cNvSpPr>
+            <a:spLocks noGrp="1"/>
+          </p:cNvSpPr>
+          <p:nvPr>
+            <p:ph type="ctrTitle"/>
+          </p:nvPr>
+        </p:nvSpPr>
+        <p:spPr/>
+        <p:txBody>
+          <a:bodyPr/>
+          <a:lstStyle/>
+          <a:p>
+            <a:endParaRPr lang="en-US"/>
+          </a:p>
+        </p:txBody>
+      </p:sp>
+      <p:sp>
+        <p:nvSpPr>
+          <p:cNvPr id="3" name="Subtitle 2"/>
+          <p:cNvSpPr>
+            <a:spLocks noGrp="1"/>
+          </p:cNvSpPr>
+          <p:nvPr>
+            <p:ph type="subTitle" idx="1"/>
+          </p:nvPr>
+        </p:nvSpPr>
+        <p:spPr/>
+        <p:txBody>
+          <a:bodyPr/>
+          <a:lstStyle/>
+          <a:p>
+            <a:endParaRPr lang="en-US"/>
+          </a:p>
+        </p:txBody>
+      </p:sp>
+      <p:pic>
+        <p:nvPicPr>
+          <p:cNvPr id="4" name="Picture 3"/>
+          <p:cNvPicPr>
+            <a:picLocks noChangeAspect="1"/>
+          </p:cNvPicPr>
+          <p:nvPr/>
+        </p:nvPicPr>
+        <p:blipFill>
+          <a:blip r:embed="rId2">
+            <a:extLst>
+              <a:ext uri="{28A0092B-C50C-407E-A947-70E740481C1C}">
+                <a14:useLocalDpi xmlns:a14="http://schemas.microsoft.com/office/drawing/2010/main" val="0"/>
+              </a:ext>
+            </a:extLst>
+          </a:blip>
+          <a:stretch>
+            <a:fillRect/>
+          </a:stretch>
+        </p:blipFill>
+        <p:spPr>
+          <a:xfrm>
+            <a:off x="0" y="-1"/>
+            <a:ext cx="12192000" cy="6858001"/>
+          </a:xfrm>
+          <a:prstGeom prst="rect">
+            <a:avLst/>
+          </a:prstGeom>
+        </p:spPr>
+      </p:pic>
+      <p:sp>
+        <p:nvSpPr>
+          <p:cNvPr id="5" name="TextBox 4"/>
+          <p:cNvSpPr txBox="1"/>
+          <p:nvPr/>
+        </p:nvSpPr>
+        <p:spPr>
+          <a:xfrm>
+            <a:off x="951115" y="573578"/>
+            <a:ext cx="4754880" cy="2585323"/>
+          </a:xfrm>
+          <a:prstGeom prst="rect">
+            <a:avLst/>
+          </a:prstGeom>
+          <a:noFill/>
+        </p:spPr>
+        <p:txBody>
+          <a:bodyPr wrap="square" rtlCol="0">
+            <a:spAutoFit/>
+          </a:bodyPr>
+          <a:lstStyle/>
+          <a:p>
+            <a:pPr algn="ctr"/>
+            <a:r>
+              <a:rPr lang="en-US" sz="5400" dirty="0" smtClean="0">
+                <a:latin typeface="Times New Roman" panose="02020603050405020304" pitchFamily="18" charset="0"/>
+                <a:cs typeface="Times New Roman" panose="02020603050405020304" pitchFamily="18" charset="0"/>
+              </a:rPr>
+              <a:t>An app is</a:t>
+            </a:r>
+          </a:p>
+          <a:p>
+            <a:pPr algn="ctr"/>
+            <a:r>
+              <a:rPr lang="en-US" sz="5400" dirty="0">
+                <a:latin typeface="Times New Roman" panose="02020603050405020304" pitchFamily="18" charset="0"/>
+                <a:cs typeface="Times New Roman" panose="02020603050405020304" pitchFamily="18" charset="0"/>
+              </a:rPr>
+              <a:t>a</a:t>
+            </a:r>
+            <a:r>
+              <a:rPr lang="en-US" sz="5400" dirty="0" smtClean="0">
+                <a:latin typeface="Times New Roman" panose="02020603050405020304" pitchFamily="18" charset="0"/>
+                <a:cs typeface="Times New Roman" panose="02020603050405020304" pitchFamily="18" charset="0"/>
+              </a:rPr>
+              <a:t> little like</a:t>
+            </a:r>
+          </a:p>
+          <a:p>
+            <a:pPr algn="ctr"/>
+            <a:r>
+              <a:rPr lang="en-US" sz="5400" dirty="0">
+                <a:latin typeface="Times New Roman" panose="02020603050405020304" pitchFamily="18" charset="0"/>
+                <a:cs typeface="Times New Roman" panose="02020603050405020304" pitchFamily="18" charset="0"/>
+              </a:rPr>
+              <a:t>a</a:t>
+            </a:r>
+            <a:r>
+              <a:rPr lang="en-US" sz="5400" dirty="0" smtClean="0">
+                <a:latin typeface="Times New Roman" panose="02020603050405020304" pitchFamily="18" charset="0"/>
+                <a:cs typeface="Times New Roman" panose="02020603050405020304" pitchFamily="18" charset="0"/>
+              </a:rPr>
+              <a:t> recipe…</a:t>
+            </a:r>
+            <a:endParaRPr lang="en-US" sz="5400" dirty="0">
+              <a:latin typeface="Times New Roman" panose="02020603050405020304" pitchFamily="18" charset="0"/>
+              <a:cs typeface="Times New Roman" panose="02020603050405020304" pitchFamily="18" charset="0"/>
+            </a:endParaRPr>
+          </a:p>
+        </p:txBody>
+      </p:sp>
+      <p:sp>
+        <p:nvSpPr>
+          <p:cNvPr id="6" name="TextBox 5"/>
+          <p:cNvSpPr txBox="1"/>
+          <p:nvPr/>
+        </p:nvSpPr>
+        <p:spPr>
+          <a:xfrm>
+            <a:off x="6657109" y="573578"/>
+            <a:ext cx="4397433" cy="4832092"/>
+          </a:xfrm>
+          <a:prstGeom prst="rect">
+            <a:avLst/>
+          </a:prstGeom>
+          <a:noFill/>
+        </p:spPr>
+        <p:txBody>
+          <a:bodyPr wrap="square" rtlCol="0">
+            <a:spAutoFit/>
+          </a:bodyPr>
+          <a:lstStyle/>
+          <a:p>
+            <a:r>
+              <a:rPr lang="en-US" sz="4400" dirty="0" smtClean="0">
+                <a:latin typeface="Times New Roman" panose="02020603050405020304" pitchFamily="18" charset="0"/>
+                <a:cs typeface="Times New Roman" panose="02020603050405020304" pitchFamily="18" charset="0"/>
+              </a:rPr>
+              <a:t>1. Measure out</a:t>
+            </a:r>
+          </a:p>
+          <a:p>
+            <a:r>
+              <a:rPr lang="en-US" sz="4400" dirty="0" smtClean="0">
+                <a:latin typeface="Times New Roman" panose="02020603050405020304" pitchFamily="18" charset="0"/>
+                <a:cs typeface="Times New Roman" panose="02020603050405020304" pitchFamily="18" charset="0"/>
+              </a:rPr>
+              <a:t>  ingredients.</a:t>
+            </a:r>
+          </a:p>
+          <a:p>
+            <a:endParaRPr lang="en-US" sz="4400" dirty="0">
+              <a:latin typeface="Times New Roman" panose="02020603050405020304" pitchFamily="18" charset="0"/>
+              <a:cs typeface="Times New Roman" panose="02020603050405020304" pitchFamily="18" charset="0"/>
+            </a:endParaRPr>
+          </a:p>
+          <a:p>
+            <a:r>
+              <a:rPr lang="en-US" sz="4400" dirty="0" smtClean="0">
+                <a:latin typeface="Times New Roman" panose="02020603050405020304" pitchFamily="18" charset="0"/>
+                <a:cs typeface="Times New Roman" panose="02020603050405020304" pitchFamily="18" charset="0"/>
+              </a:rPr>
+              <a:t>2. Mix them all</a:t>
+            </a:r>
+          </a:p>
+          <a:p>
+            <a:r>
+              <a:rPr lang="en-US" sz="4400" dirty="0">
+                <a:latin typeface="Times New Roman" panose="02020603050405020304" pitchFamily="18" charset="0"/>
+                <a:cs typeface="Times New Roman" panose="02020603050405020304" pitchFamily="18" charset="0"/>
+              </a:rPr>
+              <a:t> </a:t>
+            </a:r>
+            <a:r>
+              <a:rPr lang="en-US" sz="4400" dirty="0" smtClean="0">
+                <a:latin typeface="Times New Roman" panose="02020603050405020304" pitchFamily="18" charset="0"/>
+                <a:cs typeface="Times New Roman" panose="02020603050405020304" pitchFamily="18" charset="0"/>
+              </a:rPr>
+              <a:t>   together.</a:t>
+            </a:r>
+          </a:p>
+          <a:p>
+            <a:endParaRPr lang="en-US" sz="4400" dirty="0">
+              <a:latin typeface="Times New Roman" panose="02020603050405020304" pitchFamily="18" charset="0"/>
+              <a:cs typeface="Times New Roman" panose="02020603050405020304" pitchFamily="18" charset="0"/>
+            </a:endParaRPr>
+          </a:p>
+          <a:p>
+            <a:r>
+              <a:rPr lang="en-US" sz="4400" dirty="0" smtClean="0">
+                <a:latin typeface="Times New Roman" panose="02020603050405020304" pitchFamily="18" charset="0"/>
+                <a:cs typeface="Times New Roman" panose="02020603050405020304" pitchFamily="18" charset="0"/>
+              </a:rPr>
+              <a:t>3. Bake.</a:t>
+            </a:r>
+          </a:p>
+        </p:txBody>
+      </p:sp>
+    </p:spTree>
+    <p:extLst>
+      <p:ext uri="{BB962C8B-B14F-4D97-AF65-F5344CB8AC3E}">
+        <p14:creationId xmlns:p14="http://schemas.microsoft.com/office/powerpoint/2010/main" val="796019735"/>
+      </p:ext>
+    </p:extLst>
+  </p:cSld>
+  <p:clrMapOvr>
+    <a:masterClrMapping/>
+  </p:clrMapOvr>
+</p:sld>
+</file>
+
+<file path=ppt/slides/slide2.xml><?xml version="1.0" encoding="utf-8"?>
+<p:sld xmlns:a="http://schemas.openxmlformats.org/drawingml/2006/main" xmlns:r="http://schemas.openxmlformats.org/officeDocument/2006/relationships" xmlns:p="http://schemas.openxmlformats.org/presentationml/2006/main">
+  <p:cSld>
+    <p:spTree>
+      <p:nvGrpSpPr>
+        <p:cNvPr id="1" name=""/>
+        <p:cNvGrpSpPr/>
+        <p:nvPr/>
+      </p:nvGrpSpPr>
+      <p:grpSpPr>
+        <a:xfrm>
+          <a:off x="0" y="0"/>
+          <a:ext cx="0" cy="0"/>
+          <a:chOff x="0" y="0"/>
+          <a:chExt cx="0" cy="0"/>
+        </a:xfrm>
+      </p:grpSpPr>
+      <p:sp>
+        <p:nvSpPr>
+          <p:cNvPr id="2" name="Title 1"/>
+          <p:cNvSpPr>
+            <a:spLocks noGrp="1"/>
+          </p:cNvSpPr>
+          <p:nvPr>
+            <p:ph type="ctrTitle"/>
+          </p:nvPr>
+        </p:nvSpPr>
+        <p:spPr/>
+        <p:txBody>
+          <a:bodyPr/>
+          <a:lstStyle/>
+          <a:p>
+            <a:endParaRPr lang="en-US"/>
+          </a:p>
+        </p:txBody>
+      </p:sp>
+      <p:sp>
+        <p:nvSpPr>
+          <p:cNvPr id="3" name="Subtitle 2"/>
+          <p:cNvSpPr>
+            <a:spLocks noGrp="1"/>
+          </p:cNvSpPr>
+          <p:nvPr>
+            <p:ph type="subTitle" idx="1"/>
+          </p:nvPr>
+        </p:nvSpPr>
+        <p:spPr/>
+        <p:txBody>
+          <a:bodyPr/>
+          <a:lstStyle/>
+          <a:p>
+            <a:endParaRPr lang="en-US"/>
+          </a:p>
+        </p:txBody>
+      </p:sp>
+      <p:pic>
+        <p:nvPicPr>
+          <p:cNvPr id="4" name="Picture 3"/>
+          <p:cNvPicPr>
+            <a:picLocks noChangeAspect="1"/>
+          </p:cNvPicPr>
+          <p:nvPr/>
+        </p:nvPicPr>
+        <p:blipFill>
+          <a:blip r:embed="rId2">
+            <a:extLst>
+              <a:ext uri="{28A0092B-C50C-407E-A947-70E740481C1C}">
+                <a14:useLocalDpi xmlns:a14="http://schemas.microsoft.com/office/drawing/2010/main" val="0"/>
+              </a:ext>
+            </a:extLst>
+          </a:blip>
+          <a:stretch>
+            <a:fillRect/>
+          </a:stretch>
+        </p:blipFill>
+        <p:spPr>
+          <a:xfrm>
+            <a:off x="0" y="-1"/>
+            <a:ext cx="12192000" cy="6858001"/>
+          </a:xfrm>
+          <a:prstGeom prst="rect">
+            <a:avLst/>
+          </a:prstGeom>
+        </p:spPr>
+      </p:pic>
+      <p:sp>
+        <p:nvSpPr>
+          <p:cNvPr id="5" name="TextBox 4"/>
+          <p:cNvSpPr txBox="1"/>
+          <p:nvPr/>
+        </p:nvSpPr>
+        <p:spPr>
+          <a:xfrm>
+            <a:off x="1341120" y="573578"/>
+            <a:ext cx="4754880" cy="4708981"/>
+          </a:xfrm>
+          <a:prstGeom prst="rect">
+            <a:avLst/>
+          </a:prstGeom>
+          <a:noFill/>
+        </p:spPr>
+        <p:txBody>
+          <a:bodyPr wrap="square" rtlCol="0">
+            <a:spAutoFit/>
+          </a:bodyPr>
+          <a:lstStyle/>
+          <a:p>
+            <a:r>
+              <a:rPr lang="en-US" sz="6000" dirty="0" smtClean="0">
+                <a:latin typeface="Times New Roman" panose="02020603050405020304" pitchFamily="18" charset="0"/>
+                <a:cs typeface="Times New Roman" panose="02020603050405020304" pitchFamily="18" charset="0"/>
+              </a:rPr>
+              <a:t>…both</a:t>
+            </a:r>
+          </a:p>
+          <a:p>
+            <a:r>
+              <a:rPr lang="en-US" sz="6000" dirty="0" smtClean="0">
+                <a:latin typeface="Times New Roman" panose="02020603050405020304" pitchFamily="18" charset="0"/>
+                <a:cs typeface="Times New Roman" panose="02020603050405020304" pitchFamily="18" charset="0"/>
+              </a:rPr>
+              <a:t>Contain a</a:t>
+            </a:r>
+          </a:p>
+          <a:p>
+            <a:r>
+              <a:rPr lang="en-US" sz="6000" dirty="0" smtClean="0">
+                <a:latin typeface="Times New Roman" panose="02020603050405020304" pitchFamily="18" charset="0"/>
+                <a:cs typeface="Times New Roman" panose="02020603050405020304" pitchFamily="18" charset="0"/>
+              </a:rPr>
+              <a:t>Series of</a:t>
+            </a:r>
+          </a:p>
+          <a:p>
+            <a:r>
+              <a:rPr lang="en-US" sz="6000" dirty="0" smtClean="0">
+                <a:latin typeface="Times New Roman" panose="02020603050405020304" pitchFamily="18" charset="0"/>
+                <a:cs typeface="Times New Roman" panose="02020603050405020304" pitchFamily="18" charset="0"/>
+              </a:rPr>
+              <a:t>Step-by-step</a:t>
+            </a:r>
+          </a:p>
+          <a:p>
+            <a:r>
+              <a:rPr lang="en-US" sz="6000" dirty="0" smtClean="0">
+                <a:latin typeface="Times New Roman" panose="02020603050405020304" pitchFamily="18" charset="0"/>
+                <a:cs typeface="Times New Roman" panose="02020603050405020304" pitchFamily="18" charset="0"/>
+              </a:rPr>
+              <a:t>Instructions. </a:t>
+            </a:r>
+          </a:p>
+        </p:txBody>
+      </p:sp>
+      <p:sp>
+        <p:nvSpPr>
+          <p:cNvPr id="6" name="TextBox 5"/>
+          <p:cNvSpPr txBox="1"/>
+          <p:nvPr/>
+        </p:nvSpPr>
+        <p:spPr>
+          <a:xfrm>
+            <a:off x="6945283" y="573578"/>
+            <a:ext cx="4397433" cy="5016758"/>
+          </a:xfrm>
+          <a:prstGeom prst="rect">
+            <a:avLst/>
+          </a:prstGeom>
+          <a:noFill/>
+        </p:spPr>
+        <p:txBody>
+          <a:bodyPr wrap="square" rtlCol="0">
+            <a:spAutoFit/>
+          </a:bodyPr>
+          <a:lstStyle/>
+          <a:p>
+            <a:r>
+              <a:rPr lang="en-US" sz="4000" dirty="0" smtClean="0">
+                <a:latin typeface="Times New Roman" panose="02020603050405020304" pitchFamily="18" charset="0"/>
+                <a:cs typeface="Times New Roman" panose="02020603050405020304" pitchFamily="18" charset="0"/>
+              </a:rPr>
+              <a:t>1. Open email</a:t>
+            </a:r>
+          </a:p>
+          <a:p>
+            <a:r>
+              <a:rPr lang="en-US" sz="4000" dirty="0">
+                <a:latin typeface="Times New Roman" panose="02020603050405020304" pitchFamily="18" charset="0"/>
+                <a:cs typeface="Times New Roman" panose="02020603050405020304" pitchFamily="18" charset="0"/>
+              </a:rPr>
+              <a:t> </a:t>
+            </a:r>
+            <a:r>
+              <a:rPr lang="en-US" sz="4000" dirty="0" smtClean="0">
+                <a:latin typeface="Times New Roman" panose="02020603050405020304" pitchFamily="18" charset="0"/>
+                <a:cs typeface="Times New Roman" panose="02020603050405020304" pitchFamily="18" charset="0"/>
+              </a:rPr>
+              <a:t>   window.</a:t>
+            </a:r>
+          </a:p>
+          <a:p>
+            <a:endParaRPr lang="en-US" sz="4000" dirty="0">
+              <a:latin typeface="Times New Roman" panose="02020603050405020304" pitchFamily="18" charset="0"/>
+              <a:cs typeface="Times New Roman" panose="02020603050405020304" pitchFamily="18" charset="0"/>
+            </a:endParaRPr>
+          </a:p>
+          <a:p>
+            <a:r>
+              <a:rPr lang="en-US" sz="4000" dirty="0" smtClean="0">
+                <a:latin typeface="Times New Roman" panose="02020603050405020304" pitchFamily="18" charset="0"/>
+                <a:cs typeface="Times New Roman" panose="02020603050405020304" pitchFamily="18" charset="0"/>
+              </a:rPr>
+              <a:t>  2. Check for</a:t>
+            </a:r>
+          </a:p>
+          <a:p>
+            <a:r>
+              <a:rPr lang="en-US" sz="4000" dirty="0">
+                <a:latin typeface="Times New Roman" panose="02020603050405020304" pitchFamily="18" charset="0"/>
+                <a:cs typeface="Times New Roman" panose="02020603050405020304" pitchFamily="18" charset="0"/>
+              </a:rPr>
+              <a:t>n</a:t>
+            </a:r>
+            <a:r>
+              <a:rPr lang="en-US" sz="4000" dirty="0" smtClean="0">
+                <a:latin typeface="Times New Roman" panose="02020603050405020304" pitchFamily="18" charset="0"/>
+                <a:cs typeface="Times New Roman" panose="02020603050405020304" pitchFamily="18" charset="0"/>
+              </a:rPr>
+              <a:t>ew messages.</a:t>
+            </a:r>
+          </a:p>
+          <a:p>
+            <a:endParaRPr lang="en-US" sz="4000" dirty="0">
+              <a:latin typeface="Times New Roman" panose="02020603050405020304" pitchFamily="18" charset="0"/>
+              <a:cs typeface="Times New Roman" panose="02020603050405020304" pitchFamily="18" charset="0"/>
+            </a:endParaRPr>
+          </a:p>
+          <a:p>
+            <a:r>
+              <a:rPr lang="en-US" sz="4000" dirty="0" smtClean="0">
+                <a:latin typeface="Times New Roman" panose="02020603050405020304" pitchFamily="18" charset="0"/>
+                <a:cs typeface="Times New Roman" panose="02020603050405020304" pitchFamily="18" charset="0"/>
+              </a:rPr>
+              <a:t>3. Display new</a:t>
+            </a:r>
+          </a:p>
+          <a:p>
+            <a:r>
+              <a:rPr lang="en-US" sz="4000" dirty="0">
+                <a:latin typeface="Times New Roman" panose="02020603050405020304" pitchFamily="18" charset="0"/>
+                <a:cs typeface="Times New Roman" panose="02020603050405020304" pitchFamily="18" charset="0"/>
+              </a:rPr>
+              <a:t> </a:t>
+            </a:r>
+            <a:r>
+              <a:rPr lang="en-US" sz="4000" dirty="0" smtClean="0">
+                <a:latin typeface="Times New Roman" panose="02020603050405020304" pitchFamily="18" charset="0"/>
+                <a:cs typeface="Times New Roman" panose="02020603050405020304" pitchFamily="18" charset="0"/>
+              </a:rPr>
+              <a:t>   messages.</a:t>
+            </a:r>
+          </a:p>
+        </p:txBody>
+      </p:sp>
+    </p:spTree>
+    <p:extLst>
+      <p:ext uri="{BB962C8B-B14F-4D97-AF65-F5344CB8AC3E}">
+        <p14:creationId xmlns:p14="http://schemas.microsoft.com/office/powerpoint/2010/main" val="804964811"/>
+      </p:ext>
+    </p:extLst>
+  </p:cSld>
+  <p:clrMapOvr>
+    <a:masterClrMapping/>
+  </p:clrMapOvr>
+</p:sld>
+</file>
+
+<file path=ppt/slides/slide3.xml><?xml version="1.0" encoding="utf-8"?>
+<p:sld xmlns:a="http://schemas.openxmlformats.org/drawingml/2006/main" xmlns:r="http://schemas.openxmlformats.org/officeDocument/2006/relationships" xmlns:p="http://schemas.openxmlformats.org/presentationml/2006/main">
+  <p:cSld>
+    <p:spTree>
+      <p:nvGrpSpPr>
+        <p:cNvPr id="1" name=""/>
+        <p:cNvGrpSpPr/>
+        <p:nvPr/>
+      </p:nvGrpSpPr>
+      <p:grpSpPr>
+        <a:xfrm>
+          <a:off x="0" y="0"/>
+          <a:ext cx="0" cy="0"/>
+          <a:chOff x="0" y="0"/>
+          <a:chExt cx="0" cy="0"/>
+        </a:xfrm>
+      </p:grpSpPr>
+      <p:sp>
+        <p:nvSpPr>
+          <p:cNvPr id="4" name="Title 3"/>
+          <p:cNvSpPr>
+            <a:spLocks noGrp="1"/>
+          </p:cNvSpPr>
+          <p:nvPr>
+            <p:ph type="title"/>
+          </p:nvPr>
+        </p:nvSpPr>
+        <p:spPr/>
+        <p:txBody>
+          <a:bodyPr/>
+          <a:lstStyle/>
+          <a:p>
+            <a:r>
+              <a:rPr lang="en-US" dirty="0" smtClean="0"/>
+              <a:t>	</a:t>
+            </a:r>
+            <a:r>
+              <a:rPr lang="en-US" dirty="0"/>
+              <a:t> </a:t>
+            </a:r>
+            <a:r>
+              <a:rPr lang="en-US" dirty="0" smtClean="0"/>
+              <a:t> </a:t>
+            </a:r>
+            <a:r>
+              <a:rPr lang="en-US" dirty="0" smtClean="0">
+                <a:latin typeface="Times New Roman" panose="02020603050405020304" pitchFamily="18" charset="0"/>
+                <a:cs typeface="Times New Roman" panose="02020603050405020304" pitchFamily="18" charset="0"/>
+              </a:rPr>
+              <a:t>You start using the app.</a:t>
+            </a:r>
+            <a:endParaRPr lang="en-US" dirty="0"/>
+          </a:p>
+        </p:txBody>
+      </p:sp>
+      <p:sp>
+        <p:nvSpPr>
+          <p:cNvPr id="5" name="Text Placeholder 4"/>
+          <p:cNvSpPr>
+            <a:spLocks noGrp="1"/>
+          </p:cNvSpPr>
+          <p:nvPr>
+            <p:ph type="body" idx="1"/>
+          </p:nvPr>
+        </p:nvSpPr>
+        <p:spPr/>
+        <p:txBody>
+          <a:bodyPr/>
+          <a:lstStyle/>
+          <a:p>
+            <a:endParaRPr lang="en-US" dirty="0"/>
+          </a:p>
+        </p:txBody>
+      </p:sp>
+      <p:sp>
+        <p:nvSpPr>
+          <p:cNvPr id="6" name="Content Placeholder 5"/>
+          <p:cNvSpPr>
+            <a:spLocks noGrp="1"/>
+          </p:cNvSpPr>
+          <p:nvPr>
+            <p:ph sz="half" idx="2"/>
+          </p:nvPr>
+        </p:nvSpPr>
+        <p:spPr/>
+        <p:txBody>
+          <a:bodyPr>
+            <a:normAutofit/>
+          </a:bodyPr>
+          <a:lstStyle/>
+          <a:p>
+            <a:pPr marL="0" indent="0" algn="ctr">
+              <a:buNone/>
+            </a:pPr>
+            <a:r>
+              <a:rPr lang="en-US" sz="3200" dirty="0" smtClean="0">
+                <a:latin typeface="Times New Roman" panose="02020603050405020304" pitchFamily="18" charset="0"/>
+                <a:cs typeface="Times New Roman" panose="02020603050405020304" pitchFamily="18" charset="0"/>
+              </a:rPr>
+              <a:t>The CPU finds all</a:t>
+            </a:r>
+          </a:p>
+          <a:p>
+            <a:pPr marL="0" indent="0" algn="ctr">
+              <a:buNone/>
+            </a:pPr>
+            <a:r>
+              <a:rPr lang="en-US" sz="3200" dirty="0">
+                <a:latin typeface="Times New Roman" panose="02020603050405020304" pitchFamily="18" charset="0"/>
+                <a:cs typeface="Times New Roman" panose="02020603050405020304" pitchFamily="18" charset="0"/>
+              </a:rPr>
+              <a:t>t</a:t>
+            </a:r>
+            <a:r>
+              <a:rPr lang="en-US" sz="3200" dirty="0" smtClean="0">
+                <a:latin typeface="Times New Roman" panose="02020603050405020304" pitchFamily="18" charset="0"/>
+                <a:cs typeface="Times New Roman" panose="02020603050405020304" pitchFamily="18" charset="0"/>
+              </a:rPr>
+              <a:t>he information the</a:t>
+            </a:r>
+          </a:p>
+          <a:p>
+            <a:pPr marL="0" indent="0" algn="ctr">
+              <a:buNone/>
+            </a:pPr>
+            <a:r>
+              <a:rPr lang="en-US" sz="3200" dirty="0">
+                <a:latin typeface="Times New Roman" panose="02020603050405020304" pitchFamily="18" charset="0"/>
+                <a:cs typeface="Times New Roman" panose="02020603050405020304" pitchFamily="18" charset="0"/>
+              </a:rPr>
+              <a:t>a</a:t>
+            </a:r>
+            <a:r>
+              <a:rPr lang="en-US" sz="3200" dirty="0" smtClean="0">
+                <a:latin typeface="Times New Roman" panose="02020603050405020304" pitchFamily="18" charset="0"/>
+                <a:cs typeface="Times New Roman" panose="02020603050405020304" pitchFamily="18" charset="0"/>
+              </a:rPr>
+              <a:t>pp needs, and puts</a:t>
+            </a:r>
+          </a:p>
+          <a:p>
+            <a:pPr marL="0" indent="0" algn="ctr">
+              <a:buNone/>
+            </a:pPr>
+            <a:r>
+              <a:rPr lang="en-US" sz="3200" dirty="0">
+                <a:latin typeface="Times New Roman" panose="02020603050405020304" pitchFamily="18" charset="0"/>
+                <a:cs typeface="Times New Roman" panose="02020603050405020304" pitchFamily="18" charset="0"/>
+              </a:rPr>
+              <a:t>i</a:t>
+            </a:r>
+            <a:r>
+              <a:rPr lang="en-US" sz="3200" dirty="0" smtClean="0">
+                <a:latin typeface="Times New Roman" panose="02020603050405020304" pitchFamily="18" charset="0"/>
+                <a:cs typeface="Times New Roman" panose="02020603050405020304" pitchFamily="18" charset="0"/>
+              </a:rPr>
+              <a:t>t in the RAM…</a:t>
+            </a:r>
+            <a:endParaRPr lang="en-US" sz="3200" dirty="0">
+              <a:latin typeface="Times New Roman" panose="02020603050405020304" pitchFamily="18" charset="0"/>
+              <a:cs typeface="Times New Roman" panose="02020603050405020304" pitchFamily="18" charset="0"/>
+            </a:endParaRPr>
+          </a:p>
+        </p:txBody>
+      </p:sp>
+      <p:sp>
+        <p:nvSpPr>
+          <p:cNvPr id="7" name="Text Placeholder 6"/>
+          <p:cNvSpPr>
+            <a:spLocks noGrp="1"/>
+          </p:cNvSpPr>
+          <p:nvPr>
+            <p:ph type="body" sz="quarter" idx="3"/>
+          </p:nvPr>
+        </p:nvSpPr>
+        <p:spPr/>
+        <p:txBody>
+          <a:bodyPr/>
+          <a:lstStyle/>
+          <a:p>
+            <a:endParaRPr lang="en-US"/>
+          </a:p>
+        </p:txBody>
+      </p:sp>
+      <p:sp>
+        <p:nvSpPr>
+          <p:cNvPr id="8" name="Content Placeholder 7"/>
+          <p:cNvSpPr>
+            <a:spLocks noGrp="1"/>
+          </p:cNvSpPr>
+          <p:nvPr>
+            <p:ph sz="quarter" idx="4"/>
+          </p:nvPr>
+        </p:nvSpPr>
+        <p:spPr/>
+        <p:txBody>
+          <a:bodyPr>
+            <a:normAutofit/>
+          </a:bodyPr>
+          <a:lstStyle/>
+          <a:p>
+            <a:pPr marL="0" indent="0" algn="ctr">
+              <a:buNone/>
+            </a:pPr>
+            <a:r>
+              <a:rPr lang="en-US" sz="3200" dirty="0" smtClean="0">
+                <a:latin typeface="Times New Roman" panose="02020603050405020304" pitchFamily="18" charset="0"/>
+                <a:cs typeface="Times New Roman" panose="02020603050405020304" pitchFamily="18" charset="0"/>
+              </a:rPr>
+              <a:t>Then the app tells</a:t>
+            </a:r>
+          </a:p>
+          <a:p>
+            <a:pPr marL="0" indent="0" algn="ctr">
+              <a:buNone/>
+            </a:pPr>
+            <a:r>
+              <a:rPr lang="en-US" sz="3200" dirty="0">
+                <a:latin typeface="Times New Roman" panose="02020603050405020304" pitchFamily="18" charset="0"/>
+                <a:cs typeface="Times New Roman" panose="02020603050405020304" pitchFamily="18" charset="0"/>
+              </a:rPr>
+              <a:t>t</a:t>
+            </a:r>
+            <a:r>
+              <a:rPr lang="en-US" sz="3200" dirty="0" smtClean="0">
+                <a:latin typeface="Times New Roman" panose="02020603050405020304" pitchFamily="18" charset="0"/>
+                <a:cs typeface="Times New Roman" panose="02020603050405020304" pitchFamily="18" charset="0"/>
+              </a:rPr>
+              <a:t>he CPU what to</a:t>
+            </a:r>
+          </a:p>
+          <a:p>
+            <a:pPr marL="0" indent="0" algn="ctr">
+              <a:buNone/>
+            </a:pPr>
+            <a:r>
+              <a:rPr lang="en-US" sz="3200" dirty="0">
+                <a:latin typeface="Times New Roman" panose="02020603050405020304" pitchFamily="18" charset="0"/>
+                <a:cs typeface="Times New Roman" panose="02020603050405020304" pitchFamily="18" charset="0"/>
+              </a:rPr>
+              <a:t>d</a:t>
+            </a:r>
+            <a:r>
+              <a:rPr lang="en-US" sz="3200" dirty="0" smtClean="0">
+                <a:latin typeface="Times New Roman" panose="02020603050405020304" pitchFamily="18" charset="0"/>
+                <a:cs typeface="Times New Roman" panose="02020603050405020304" pitchFamily="18" charset="0"/>
+              </a:rPr>
+              <a:t>o with it. This is</a:t>
+            </a:r>
+          </a:p>
+          <a:p>
+            <a:pPr marL="0" indent="0" algn="ctr">
+              <a:buNone/>
+            </a:pPr>
+            <a:r>
+              <a:rPr lang="en-US" sz="3200">
+                <a:latin typeface="Times New Roman" panose="02020603050405020304" pitchFamily="18" charset="0"/>
+                <a:cs typeface="Times New Roman" panose="02020603050405020304" pitchFamily="18" charset="0"/>
+              </a:rPr>
+              <a:t>c</a:t>
+            </a:r>
+            <a:r>
+              <a:rPr lang="en-US" sz="3200" smtClean="0">
+                <a:latin typeface="Times New Roman" panose="02020603050405020304" pitchFamily="18" charset="0"/>
+                <a:cs typeface="Times New Roman" panose="02020603050405020304" pitchFamily="18" charset="0"/>
+              </a:rPr>
+              <a:t>alled </a:t>
+            </a:r>
+            <a:r>
+              <a:rPr lang="en-US" sz="3200" b="1" smtClean="0">
+                <a:latin typeface="Times New Roman" panose="02020603050405020304" pitchFamily="18" charset="0"/>
+                <a:cs typeface="Times New Roman" panose="02020603050405020304" pitchFamily="18" charset="0"/>
+              </a:rPr>
+              <a:t>processing.</a:t>
+            </a:r>
+            <a:endParaRPr lang="en-US" sz="3200" dirty="0">
+              <a:latin typeface="Times New Roman" panose="02020603050405020304" pitchFamily="18" charset="0"/>
+              <a:cs typeface="Times New Roman" panose="02020603050405020304" pitchFamily="18" charset="0"/>
+            </a:endParaRPr>
+          </a:p>
+        </p:txBody>
+      </p:sp>
+      <p:sp>
+        <p:nvSpPr>
+          <p:cNvPr id="10" name="Oval 9"/>
           <p:cNvSpPr/>
           <p:nvPr/>
         </p:nvSpPr>
         <p:spPr>
           <a:xfrm>
-            <a:off x="3090930" y="1712890"/>
-            <a:ext cx="2936383" cy="1275009"/>
+            <a:off x="839788" y="476901"/>
+            <a:ext cx="1080654" cy="1080654"/>
           </a:xfrm>
           <a:prstGeom prst="ellipse">
             <a:avLst/>
           </a:prstGeom>
           <a:solidFill>
-            <a:srgbClr val="00B0F0"/>
+            <a:schemeClr val="bg1"/>
           </a:solidFill>
-          <a:ln w="76200">
+          <a:ln>
             <a:solidFill>
-              <a:srgbClr val="6787E3"/>
+              <a:srgbClr val="FF0000"/>
             </a:solidFill>
           </a:ln>
         </p:spPr>
@@ -3008,531 +4165,36 @@
           <a:lstStyle/>
           <a:p>
             <a:pPr algn="ctr"/>
-            <a:endParaRPr lang="en-US"/>
-          </a:p>
-        </p:txBody>
-      </p:sp>
-      <p:sp>
-        <p:nvSpPr>
-          <p:cNvPr id="5" name="Flowchart: Magnetic Disk 4"/>
-          <p:cNvSpPr/>
-          <p:nvPr/>
-        </p:nvSpPr>
-        <p:spPr>
-          <a:xfrm>
-            <a:off x="3412901" y="1300766"/>
-            <a:ext cx="2292440" cy="1249251"/>
-          </a:xfrm>
-          <a:prstGeom prst="flowChartMagneticDisk">
-            <a:avLst/>
-          </a:prstGeom>
-          <a:solidFill>
-            <a:schemeClr val="accent2">
-              <a:lumMod val="60000"/>
-              <a:lumOff val="40000"/>
-            </a:schemeClr>
-          </a:solidFill>
-          <a:ln>
-            <a:noFill/>
-          </a:ln>
-        </p:spPr>
-        <p:style>
-          <a:lnRef idx="2">
-            <a:schemeClr val="accent1">
-              <a:shade val="50000"/>
-            </a:schemeClr>
-          </a:lnRef>
-          <a:fillRef idx="1">
-            <a:schemeClr val="accent1"/>
-          </a:fillRef>
-          <a:effectRef idx="0">
-            <a:schemeClr val="accent1"/>
-          </a:effectRef>
-          <a:fontRef idx="minor">
-            <a:schemeClr val="lt1"/>
-          </a:fontRef>
-        </p:style>
-        <p:txBody>
-          <a:bodyPr rtlCol="0" anchor="ctr"/>
-          <a:lstStyle/>
-          <a:p>
-            <a:pPr algn="ctr"/>
-            <a:endParaRPr lang="en-US"/>
-          </a:p>
-        </p:txBody>
-      </p:sp>
-      <p:sp>
-        <p:nvSpPr>
-          <p:cNvPr id="7" name="Freeform 6"/>
-          <p:cNvSpPr/>
-          <p:nvPr/>
-        </p:nvSpPr>
-        <p:spPr>
-          <a:xfrm>
-            <a:off x="3374265" y="1442434"/>
-            <a:ext cx="2384377" cy="476518"/>
-          </a:xfrm>
-          <a:custGeom>
-            <a:avLst/>
-            <a:gdLst>
-              <a:gd name="connsiteX0" fmla="*/ 0 w 2384377"/>
-              <a:gd name="connsiteY0" fmla="*/ 0 h 476518"/>
-              <a:gd name="connsiteX1" fmla="*/ 0 w 2384377"/>
-              <a:gd name="connsiteY1" fmla="*/ 360608 h 476518"/>
-              <a:gd name="connsiteX2" fmla="*/ 12879 w 2384377"/>
-              <a:gd name="connsiteY2" fmla="*/ 373487 h 476518"/>
-              <a:gd name="connsiteX3" fmla="*/ 167425 w 2384377"/>
-              <a:gd name="connsiteY3" fmla="*/ 360608 h 476518"/>
-              <a:gd name="connsiteX4" fmla="*/ 270456 w 2384377"/>
-              <a:gd name="connsiteY4" fmla="*/ 386366 h 476518"/>
-              <a:gd name="connsiteX5" fmla="*/ 373487 w 2384377"/>
-              <a:gd name="connsiteY5" fmla="*/ 373487 h 476518"/>
-              <a:gd name="connsiteX6" fmla="*/ 425003 w 2384377"/>
-              <a:gd name="connsiteY6" fmla="*/ 296214 h 476518"/>
-              <a:gd name="connsiteX7" fmla="*/ 566670 w 2384377"/>
-              <a:gd name="connsiteY7" fmla="*/ 309093 h 476518"/>
-              <a:gd name="connsiteX8" fmla="*/ 643943 w 2384377"/>
-              <a:gd name="connsiteY8" fmla="*/ 360608 h 476518"/>
-              <a:gd name="connsiteX9" fmla="*/ 759853 w 2384377"/>
-              <a:gd name="connsiteY9" fmla="*/ 347729 h 476518"/>
-              <a:gd name="connsiteX10" fmla="*/ 798490 w 2384377"/>
-              <a:gd name="connsiteY10" fmla="*/ 321972 h 476518"/>
-              <a:gd name="connsiteX11" fmla="*/ 875763 w 2384377"/>
-              <a:gd name="connsiteY11" fmla="*/ 360608 h 476518"/>
-              <a:gd name="connsiteX12" fmla="*/ 901521 w 2384377"/>
-              <a:gd name="connsiteY12" fmla="*/ 450760 h 476518"/>
-              <a:gd name="connsiteX13" fmla="*/ 940158 w 2384377"/>
-              <a:gd name="connsiteY13" fmla="*/ 476518 h 476518"/>
-              <a:gd name="connsiteX14" fmla="*/ 991673 w 2384377"/>
-              <a:gd name="connsiteY14" fmla="*/ 463639 h 476518"/>
-              <a:gd name="connsiteX15" fmla="*/ 1030310 w 2384377"/>
-              <a:gd name="connsiteY15" fmla="*/ 360608 h 476518"/>
-              <a:gd name="connsiteX16" fmla="*/ 1171977 w 2384377"/>
-              <a:gd name="connsiteY16" fmla="*/ 399245 h 476518"/>
-              <a:gd name="connsiteX17" fmla="*/ 1197735 w 2384377"/>
-              <a:gd name="connsiteY17" fmla="*/ 437881 h 476518"/>
-              <a:gd name="connsiteX18" fmla="*/ 1326524 w 2384377"/>
-              <a:gd name="connsiteY18" fmla="*/ 425003 h 476518"/>
-              <a:gd name="connsiteX19" fmla="*/ 1365160 w 2384377"/>
-              <a:gd name="connsiteY19" fmla="*/ 412124 h 476518"/>
-              <a:gd name="connsiteX20" fmla="*/ 1416676 w 2384377"/>
-              <a:gd name="connsiteY20" fmla="*/ 334851 h 476518"/>
-              <a:gd name="connsiteX21" fmla="*/ 1545465 w 2384377"/>
-              <a:gd name="connsiteY21" fmla="*/ 347729 h 476518"/>
-              <a:gd name="connsiteX22" fmla="*/ 1558343 w 2384377"/>
-              <a:gd name="connsiteY22" fmla="*/ 386366 h 476518"/>
-              <a:gd name="connsiteX23" fmla="*/ 1596980 w 2384377"/>
-              <a:gd name="connsiteY23" fmla="*/ 425003 h 476518"/>
-              <a:gd name="connsiteX24" fmla="*/ 1712890 w 2384377"/>
-              <a:gd name="connsiteY24" fmla="*/ 386366 h 476518"/>
-              <a:gd name="connsiteX25" fmla="*/ 1764405 w 2384377"/>
-              <a:gd name="connsiteY25" fmla="*/ 309093 h 476518"/>
-              <a:gd name="connsiteX26" fmla="*/ 1790163 w 2384377"/>
-              <a:gd name="connsiteY26" fmla="*/ 270456 h 476518"/>
-              <a:gd name="connsiteX27" fmla="*/ 1944710 w 2384377"/>
-              <a:gd name="connsiteY27" fmla="*/ 296214 h 476518"/>
-              <a:gd name="connsiteX28" fmla="*/ 1983346 w 2384377"/>
-              <a:gd name="connsiteY28" fmla="*/ 321972 h 476518"/>
-              <a:gd name="connsiteX29" fmla="*/ 1996225 w 2384377"/>
-              <a:gd name="connsiteY29" fmla="*/ 360608 h 476518"/>
-              <a:gd name="connsiteX30" fmla="*/ 2073498 w 2384377"/>
-              <a:gd name="connsiteY30" fmla="*/ 399245 h 476518"/>
-              <a:gd name="connsiteX31" fmla="*/ 2086377 w 2384377"/>
-              <a:gd name="connsiteY31" fmla="*/ 360608 h 476518"/>
-              <a:gd name="connsiteX32" fmla="*/ 2163650 w 2384377"/>
-              <a:gd name="connsiteY32" fmla="*/ 334851 h 476518"/>
-              <a:gd name="connsiteX33" fmla="*/ 2279560 w 2384377"/>
-              <a:gd name="connsiteY33" fmla="*/ 347729 h 476518"/>
-              <a:gd name="connsiteX34" fmla="*/ 2356834 w 2384377"/>
-              <a:gd name="connsiteY34" fmla="*/ 373487 h 476518"/>
-              <a:gd name="connsiteX35" fmla="*/ 2382591 w 2384377"/>
-              <a:gd name="connsiteY35" fmla="*/ 270456 h 476518"/>
-              <a:gd name="connsiteX36" fmla="*/ 2369712 w 2384377"/>
-              <a:gd name="connsiteY36" fmla="*/ 25758 h 476518"/>
-              <a:gd name="connsiteX37" fmla="*/ 0 w 2384377"/>
-              <a:gd name="connsiteY37" fmla="*/ 0 h 476518"/>
-            </a:gdLst>
-            <a:ahLst/>
-            <a:cxnLst>
-              <a:cxn ang="0">
-                <a:pos x="connsiteX0" y="connsiteY0"/>
-              </a:cxn>
-              <a:cxn ang="0">
-                <a:pos x="connsiteX1" y="connsiteY1"/>
-              </a:cxn>
-              <a:cxn ang="0">
-                <a:pos x="connsiteX2" y="connsiteY2"/>
-              </a:cxn>
-              <a:cxn ang="0">
-                <a:pos x="connsiteX3" y="connsiteY3"/>
-              </a:cxn>
-              <a:cxn ang="0">
-                <a:pos x="connsiteX4" y="connsiteY4"/>
-              </a:cxn>
-              <a:cxn ang="0">
-                <a:pos x="connsiteX5" y="connsiteY5"/>
-              </a:cxn>
-              <a:cxn ang="0">
-                <a:pos x="connsiteX6" y="connsiteY6"/>
-              </a:cxn>
-              <a:cxn ang="0">
-                <a:pos x="connsiteX7" y="connsiteY7"/>
-              </a:cxn>
-              <a:cxn ang="0">
-                <a:pos x="connsiteX8" y="connsiteY8"/>
-              </a:cxn>
-              <a:cxn ang="0">
-                <a:pos x="connsiteX9" y="connsiteY9"/>
-              </a:cxn>
-              <a:cxn ang="0">
-                <a:pos x="connsiteX10" y="connsiteY10"/>
-              </a:cxn>
-              <a:cxn ang="0">
-                <a:pos x="connsiteX11" y="connsiteY11"/>
-              </a:cxn>
-              <a:cxn ang="0">
-                <a:pos x="connsiteX12" y="connsiteY12"/>
-              </a:cxn>
-              <a:cxn ang="0">
-                <a:pos x="connsiteX13" y="connsiteY13"/>
-              </a:cxn>
-              <a:cxn ang="0">
-                <a:pos x="connsiteX14" y="connsiteY14"/>
-              </a:cxn>
-              <a:cxn ang="0">
-                <a:pos x="connsiteX15" y="connsiteY15"/>
-              </a:cxn>
-              <a:cxn ang="0">
-                <a:pos x="connsiteX16" y="connsiteY16"/>
-              </a:cxn>
-              <a:cxn ang="0">
-                <a:pos x="connsiteX17" y="connsiteY17"/>
-              </a:cxn>
-              <a:cxn ang="0">
-                <a:pos x="connsiteX18" y="connsiteY18"/>
-              </a:cxn>
-              <a:cxn ang="0">
-                <a:pos x="connsiteX19" y="connsiteY19"/>
-              </a:cxn>
-              <a:cxn ang="0">
-                <a:pos x="connsiteX20" y="connsiteY20"/>
-              </a:cxn>
-              <a:cxn ang="0">
-                <a:pos x="connsiteX21" y="connsiteY21"/>
-              </a:cxn>
-              <a:cxn ang="0">
-                <a:pos x="connsiteX22" y="connsiteY22"/>
-              </a:cxn>
-              <a:cxn ang="0">
-                <a:pos x="connsiteX23" y="connsiteY23"/>
-              </a:cxn>
-              <a:cxn ang="0">
-                <a:pos x="connsiteX24" y="connsiteY24"/>
-              </a:cxn>
-              <a:cxn ang="0">
-                <a:pos x="connsiteX25" y="connsiteY25"/>
-              </a:cxn>
-              <a:cxn ang="0">
-                <a:pos x="connsiteX26" y="connsiteY26"/>
-              </a:cxn>
-              <a:cxn ang="0">
-                <a:pos x="connsiteX27" y="connsiteY27"/>
-              </a:cxn>
-              <a:cxn ang="0">
-                <a:pos x="connsiteX28" y="connsiteY28"/>
-              </a:cxn>
-              <a:cxn ang="0">
-                <a:pos x="connsiteX29" y="connsiteY29"/>
-              </a:cxn>
-              <a:cxn ang="0">
-                <a:pos x="connsiteX30" y="connsiteY30"/>
-              </a:cxn>
-              <a:cxn ang="0">
-                <a:pos x="connsiteX31" y="connsiteY31"/>
-              </a:cxn>
-              <a:cxn ang="0">
-                <a:pos x="connsiteX32" y="connsiteY32"/>
-              </a:cxn>
-              <a:cxn ang="0">
-                <a:pos x="connsiteX33" y="connsiteY33"/>
-              </a:cxn>
-              <a:cxn ang="0">
-                <a:pos x="connsiteX34" y="connsiteY34"/>
-              </a:cxn>
-              <a:cxn ang="0">
-                <a:pos x="connsiteX35" y="connsiteY35"/>
-              </a:cxn>
-              <a:cxn ang="0">
-                <a:pos x="connsiteX36" y="connsiteY36"/>
-              </a:cxn>
-              <a:cxn ang="0">
-                <a:pos x="connsiteX37" y="connsiteY37"/>
-              </a:cxn>
-            </a:cxnLst>
-            <a:rect l="l" t="t" r="r" b="b"/>
-            <a:pathLst>
-              <a:path w="2384377" h="476518">
-                <a:moveTo>
-                  <a:pt x="0" y="0"/>
-                </a:moveTo>
-                <a:lnTo>
-                  <a:pt x="0" y="360608"/>
-                </a:lnTo>
-                <a:lnTo>
-                  <a:pt x="12879" y="373487"/>
-                </a:lnTo>
-                <a:cubicBezTo>
-                  <a:pt x="64394" y="369194"/>
-                  <a:pt x="115731" y="360608"/>
-                  <a:pt x="167425" y="360608"/>
-                </a:cubicBezTo>
-                <a:cubicBezTo>
-                  <a:pt x="198509" y="360608"/>
-                  <a:pt x="239967" y="376203"/>
-                  <a:pt x="270456" y="386366"/>
-                </a:cubicBezTo>
-                <a:cubicBezTo>
-                  <a:pt x="304800" y="382073"/>
-                  <a:pt x="343591" y="390926"/>
-                  <a:pt x="373487" y="373487"/>
-                </a:cubicBezTo>
-                <a:cubicBezTo>
-                  <a:pt x="400227" y="357889"/>
-                  <a:pt x="425003" y="296214"/>
-                  <a:pt x="425003" y="296214"/>
-                </a:cubicBezTo>
-                <a:cubicBezTo>
-                  <a:pt x="472225" y="300507"/>
-                  <a:pt x="521180" y="295714"/>
-                  <a:pt x="566670" y="309093"/>
-                </a:cubicBezTo>
-                <a:cubicBezTo>
-                  <a:pt x="596369" y="317828"/>
-                  <a:pt x="643943" y="360608"/>
-                  <a:pt x="643943" y="360608"/>
-                </a:cubicBezTo>
-                <a:cubicBezTo>
-                  <a:pt x="682580" y="356315"/>
-                  <a:pt x="722139" y="357157"/>
-                  <a:pt x="759853" y="347729"/>
-                </a:cubicBezTo>
-                <a:cubicBezTo>
-                  <a:pt x="774869" y="343975"/>
-                  <a:pt x="783222" y="324516"/>
-                  <a:pt x="798490" y="321972"/>
-                </a:cubicBezTo>
-                <a:cubicBezTo>
-                  <a:pt x="819818" y="318418"/>
-                  <a:pt x="862307" y="351638"/>
-                  <a:pt x="875763" y="360608"/>
-                </a:cubicBezTo>
-                <a:cubicBezTo>
-                  <a:pt x="876604" y="363974"/>
-                  <a:pt x="894802" y="442361"/>
-                  <a:pt x="901521" y="450760"/>
-                </a:cubicBezTo>
-                <a:cubicBezTo>
-                  <a:pt x="911191" y="462847"/>
-                  <a:pt x="927279" y="467932"/>
-                  <a:pt x="940158" y="476518"/>
-                </a:cubicBezTo>
-                <a:cubicBezTo>
-                  <a:pt x="957330" y="472225"/>
-                  <a:pt x="976946" y="473457"/>
-                  <a:pt x="991673" y="463639"/>
-                </a:cubicBezTo>
-                <a:cubicBezTo>
-                  <a:pt x="1022285" y="443231"/>
-                  <a:pt x="1024703" y="388644"/>
-                  <a:pt x="1030310" y="360608"/>
-                </a:cubicBezTo>
-                <a:cubicBezTo>
-                  <a:pt x="1091260" y="368227"/>
-                  <a:pt x="1130231" y="357499"/>
-                  <a:pt x="1171977" y="399245"/>
-                </a:cubicBezTo>
-                <a:cubicBezTo>
-                  <a:pt x="1182922" y="410190"/>
-                  <a:pt x="1189149" y="425002"/>
-                  <a:pt x="1197735" y="437881"/>
-                </a:cubicBezTo>
-                <a:cubicBezTo>
-                  <a:pt x="1240665" y="433588"/>
-                  <a:pt x="1283882" y="431563"/>
-                  <a:pt x="1326524" y="425003"/>
-                </a:cubicBezTo>
-                <a:cubicBezTo>
-                  <a:pt x="1339941" y="422939"/>
-                  <a:pt x="1357630" y="423419"/>
-                  <a:pt x="1365160" y="412124"/>
-                </a:cubicBezTo>
-                <a:cubicBezTo>
-                  <a:pt x="1427323" y="318878"/>
-                  <a:pt x="1328359" y="364288"/>
-                  <a:pt x="1416676" y="334851"/>
-                </a:cubicBezTo>
-                <a:cubicBezTo>
-                  <a:pt x="1459606" y="339144"/>
-                  <a:pt x="1504919" y="332985"/>
-                  <a:pt x="1545465" y="347729"/>
-                </a:cubicBezTo>
-                <a:cubicBezTo>
-                  <a:pt x="1558223" y="352368"/>
-                  <a:pt x="1550813" y="375070"/>
-                  <a:pt x="1558343" y="386366"/>
-                </a:cubicBezTo>
-                <a:cubicBezTo>
-                  <a:pt x="1568446" y="401521"/>
-                  <a:pt x="1584101" y="412124"/>
-                  <a:pt x="1596980" y="425003"/>
-                </a:cubicBezTo>
-                <a:cubicBezTo>
-                  <a:pt x="1639844" y="417859"/>
-                  <a:pt x="1681972" y="421701"/>
-                  <a:pt x="1712890" y="386366"/>
-                </a:cubicBezTo>
-                <a:cubicBezTo>
-                  <a:pt x="1733275" y="363069"/>
-                  <a:pt x="1747233" y="334851"/>
-                  <a:pt x="1764405" y="309093"/>
-                </a:cubicBezTo>
-                <a:lnTo>
-                  <a:pt x="1790163" y="270456"/>
-                </a:lnTo>
-                <a:cubicBezTo>
-                  <a:pt x="1826887" y="274536"/>
-                  <a:pt x="1901558" y="274638"/>
-                  <a:pt x="1944710" y="296214"/>
-                </a:cubicBezTo>
-                <a:cubicBezTo>
-                  <a:pt x="1958554" y="303136"/>
-                  <a:pt x="1970467" y="313386"/>
-                  <a:pt x="1983346" y="321972"/>
-                </a:cubicBezTo>
-                <a:cubicBezTo>
-                  <a:pt x="1987639" y="334851"/>
-                  <a:pt x="1987744" y="350008"/>
-                  <a:pt x="1996225" y="360608"/>
-                </a:cubicBezTo>
-                <a:cubicBezTo>
-                  <a:pt x="2014382" y="383304"/>
-                  <a:pt x="2048046" y="390761"/>
-                  <a:pt x="2073498" y="399245"/>
-                </a:cubicBezTo>
-                <a:cubicBezTo>
-                  <a:pt x="2077791" y="386366"/>
-                  <a:pt x="2075330" y="368499"/>
-                  <a:pt x="2086377" y="360608"/>
-                </a:cubicBezTo>
-                <a:cubicBezTo>
-                  <a:pt x="2108471" y="344827"/>
-                  <a:pt x="2163650" y="334851"/>
-                  <a:pt x="2163650" y="334851"/>
-                </a:cubicBezTo>
-                <a:cubicBezTo>
-                  <a:pt x="2202287" y="339144"/>
-                  <a:pt x="2241440" y="340105"/>
-                  <a:pt x="2279560" y="347729"/>
-                </a:cubicBezTo>
-                <a:cubicBezTo>
-                  <a:pt x="2306184" y="353054"/>
-                  <a:pt x="2356834" y="373487"/>
-                  <a:pt x="2356834" y="373487"/>
-                </a:cubicBezTo>
-                <a:cubicBezTo>
-                  <a:pt x="2394498" y="316991"/>
-                  <a:pt x="2382591" y="350329"/>
-                  <a:pt x="2382591" y="270456"/>
-                </a:cubicBezTo>
-                <a:lnTo>
-                  <a:pt x="2369712" y="25758"/>
-                </a:lnTo>
-                <a:lnTo>
-                  <a:pt x="0" y="0"/>
-                </a:lnTo>
-                <a:close/>
-              </a:path>
-            </a:pathLst>
-          </a:custGeom>
-          <a:solidFill>
-            <a:srgbClr val="7A5230"/>
-          </a:solidFill>
-        </p:spPr>
-        <p:style>
-          <a:lnRef idx="2">
-            <a:schemeClr val="accent1">
-              <a:shade val="50000"/>
-            </a:schemeClr>
-          </a:lnRef>
-          <a:fillRef idx="1">
-            <a:schemeClr val="accent1"/>
-          </a:fillRef>
-          <a:effectRef idx="0">
-            <a:schemeClr val="accent1"/>
-          </a:effectRef>
-          <a:fontRef idx="minor">
-            <a:schemeClr val="lt1"/>
-          </a:fontRef>
-        </p:style>
-        <p:txBody>
-          <a:bodyPr rtlCol="0" anchor="ctr"/>
-          <a:lstStyle/>
-          <a:p>
-            <a:pPr algn="ctr"/>
-            <a:endParaRPr lang="en-US"/>
-          </a:p>
-        </p:txBody>
-      </p:sp>
-      <p:sp>
-        <p:nvSpPr>
-          <p:cNvPr id="8" name="Oval 7"/>
-          <p:cNvSpPr/>
-          <p:nvPr/>
-        </p:nvSpPr>
-        <p:spPr>
-          <a:xfrm>
-            <a:off x="3374266" y="1184856"/>
-            <a:ext cx="2384376" cy="528034"/>
-          </a:xfrm>
-          <a:prstGeom prst="ellipse">
-            <a:avLst/>
-          </a:prstGeom>
-          <a:solidFill>
-            <a:srgbClr val="7A5230"/>
-          </a:solidFill>
-          <a:ln>
-            <a:noFill/>
-          </a:ln>
-        </p:spPr>
-        <p:style>
-          <a:lnRef idx="2">
-            <a:schemeClr val="accent1">
-              <a:shade val="50000"/>
-            </a:schemeClr>
-          </a:lnRef>
-          <a:fillRef idx="1">
-            <a:schemeClr val="accent1"/>
-          </a:fillRef>
-          <a:effectRef idx="0">
-            <a:schemeClr val="accent1"/>
-          </a:effectRef>
-          <a:fontRef idx="minor">
-            <a:schemeClr val="lt1"/>
-          </a:fontRef>
-        </p:style>
-        <p:txBody>
-          <a:bodyPr rtlCol="0" anchor="ctr"/>
-          <a:lstStyle/>
-          <a:p>
-            <a:pPr algn="ctr"/>
-            <a:endParaRPr lang="en-US"/>
+            <a:r>
+              <a:rPr lang="en-US" sz="5400" dirty="0" smtClean="0">
+                <a:solidFill>
+                  <a:schemeClr val="tx1">
+                    <a:lumMod val="95000"/>
+                    <a:lumOff val="5000"/>
+                  </a:schemeClr>
+                </a:solidFill>
+                <a:latin typeface="Times New Roman" panose="02020603050405020304" pitchFamily="18" charset="0"/>
+                <a:cs typeface="Times New Roman" panose="02020603050405020304" pitchFamily="18" charset="0"/>
+              </a:rPr>
+              <a:t>5.</a:t>
+            </a:r>
+            <a:endParaRPr lang="en-US" sz="5400" dirty="0">
+              <a:solidFill>
+                <a:schemeClr val="tx1">
+                  <a:lumMod val="95000"/>
+                  <a:lumOff val="5000"/>
+                </a:schemeClr>
+              </a:solidFill>
+              <a:latin typeface="Times New Roman" panose="02020603050405020304" pitchFamily="18" charset="0"/>
+              <a:cs typeface="Times New Roman" panose="02020603050405020304" pitchFamily="18" charset="0"/>
+            </a:endParaRPr>
           </a:p>
         </p:txBody>
       </p:sp>
     </p:spTree>
     <p:extLst>
       <p:ext uri="{BB962C8B-B14F-4D97-AF65-F5344CB8AC3E}">
-        <p14:creationId xmlns:p14="http://schemas.microsoft.com/office/powerpoint/2010/main" val="3556771589"/>
+        <p14:creationId xmlns:p14="http://schemas.microsoft.com/office/powerpoint/2010/main" val="3913376200"/>
       </p:ext>
     </p:extLst>
   </p:cSld>
@@ -3801,4 +4463,265 @@
     </a:ext>
   </a:extLst>
 </a:theme>
+</file>
+
+<file path=ppt/theme/theme2.xml><?xml version="1.0" encoding="utf-8"?>
+<a:theme xmlns:a="http://schemas.openxmlformats.org/drawingml/2006/main" name="Office Theme">
+  <a:themeElements>
+    <a:clrScheme name="Office">
+      <a:dk1>
+        <a:sysClr val="windowText" lastClr="000000"/>
+      </a:dk1>
+      <a:lt1>
+        <a:sysClr val="window" lastClr="FFFFFF"/>
+      </a:lt1>
+      <a:dk2>
+        <a:srgbClr val="44546A"/>
+      </a:dk2>
+      <a:lt2>
+        <a:srgbClr val="E7E6E6"/>
+      </a:lt2>
+      <a:accent1>
+        <a:srgbClr val="5B9BD5"/>
+      </a:accent1>
+      <a:accent2>
+        <a:srgbClr val="ED7D31"/>
+      </a:accent2>
+      <a:accent3>
+        <a:srgbClr val="A5A5A5"/>
+      </a:accent3>
+      <a:accent4>
+        <a:srgbClr val="FFC000"/>
+      </a:accent4>
+      <a:accent5>
+        <a:srgbClr val="4472C4"/>
+      </a:accent5>
+      <a:accent6>
+        <a:srgbClr val="70AD47"/>
+      </a:accent6>
+      <a:hlink>
+        <a:srgbClr val="0563C1"/>
+      </a:hlink>
+      <a:folHlink>
+        <a:srgbClr val="954F72"/>
+      </a:folHlink>
+    </a:clrScheme>
+    <a:fontScheme name="Office">
+      <a:majorFont>
+        <a:latin typeface="Calibri Light" panose="020F0302020204030204"/>
+        <a:ea typeface=""/>
+        <a:cs typeface=""/>
+        <a:font script="Jpan" typeface="游ゴシック Light"/>
+        <a:font script="Hang" typeface="맑은 고딕"/>
+        <a:font script="Hans" typeface="等线 Light"/>
+        <a:font script="Hant" typeface="新細明體"/>
+        <a:font script="Arab" typeface="Times New Roman"/>
+        <a:font script="Hebr" typeface="Times New Roman"/>
+        <a:font script="Thai" typeface="Angsana New"/>
+        <a:font script="Ethi" typeface="Nyala"/>
+        <a:font script="Beng" typeface="Vrinda"/>
+        <a:font script="Gujr" typeface="Shruti"/>
+        <a:font script="Khmr" typeface="MoolBoran"/>
+        <a:font script="Knda" typeface="Tunga"/>
+        <a:font script="Guru" typeface="Raavi"/>
+        <a:font script="Cans" typeface="Euphemia"/>
+        <a:font script="Cher" typeface="Plantagenet Cherokee"/>
+        <a:font script="Yiii" typeface="Microsoft Yi Baiti"/>
+        <a:font script="Tibt" typeface="Microsoft Himalaya"/>
+        <a:font script="Thaa" typeface="MV Boli"/>
+        <a:font script="Deva" typeface="Mangal"/>
+        <a:font script="Telu" typeface="Gautami"/>
+        <a:font script="Taml" typeface="Latha"/>
+        <a:font script="Syrc" typeface="Estrangelo Edessa"/>
+        <a:font script="Orya" typeface="Kalinga"/>
+        <a:font script="Mlym" typeface="Kartika"/>
+        <a:font script="Laoo" typeface="DokChampa"/>
+        <a:font script="Sinh" typeface="Iskoola Pota"/>
+        <a:font script="Mong" typeface="Mongolian Baiti"/>
+        <a:font script="Viet" typeface="Times New Roman"/>
+        <a:font script="Uigh" typeface="Microsoft Uighur"/>
+        <a:font script="Geor" typeface="Sylfaen"/>
+      </a:majorFont>
+      <a:minorFont>
+        <a:latin typeface="Calibri" panose="020F0502020204030204"/>
+        <a:ea typeface=""/>
+        <a:cs typeface=""/>
+        <a:font script="Jpan" typeface="游ゴシック"/>
+        <a:font script="Hang" typeface="맑은 고딕"/>
+        <a:font script="Hans" typeface="等线"/>
+        <a:font script="Hant" typeface="新細明體"/>
+        <a:font script="Arab" typeface="Arial"/>
+        <a:font script="Hebr" typeface="Arial"/>
+        <a:font script="Thai" typeface="Cordia New"/>
+        <a:font script="Ethi" typeface="Nyala"/>
+        <a:font script="Beng" typeface="Vrinda"/>
+        <a:font script="Gujr" typeface="Shruti"/>
+        <a:font script="Khmr" typeface="DaunPenh"/>
+        <a:font script="Knda" typeface="Tunga"/>
+        <a:font script="Guru" typeface="Raavi"/>
+        <a:font script="Cans" typeface="Euphemia"/>
+        <a:font script="Cher" typeface="Plantagenet Cherokee"/>
+        <a:font script="Yiii" typeface="Microsoft Yi Baiti"/>
+        <a:font script="Tibt" typeface="Microsoft Himalaya"/>
+        <a:font script="Thaa" typeface="MV Boli"/>
+        <a:font script="Deva" typeface="Mangal"/>
+        <a:font script="Telu" typeface="Gautami"/>
+        <a:font script="Taml" typeface="Latha"/>
+        <a:font script="Syrc" typeface="Estrangelo Edessa"/>
+        <a:font script="Orya" typeface="Kalinga"/>
+        <a:font script="Mlym" typeface="Kartika"/>
+        <a:font script="Laoo" typeface="DokChampa"/>
+        <a:font script="Sinh" typeface="Iskoola Pota"/>
+        <a:font script="Mong" typeface="Mongolian Baiti"/>
+        <a:font script="Viet" typeface="Arial"/>
+        <a:font script="Uigh" typeface="Microsoft Uighur"/>
+        <a:font script="Geor" typeface="Sylfaen"/>
+      </a:minorFont>
+    </a:fontScheme>
+    <a:fmtScheme name="Office">
+      <a:fillStyleLst>
+        <a:solidFill>
+          <a:schemeClr val="phClr"/>
+        </a:solidFill>
+        <a:gradFill rotWithShape="1">
+          <a:gsLst>
+            <a:gs pos="0">
+              <a:schemeClr val="phClr">
+                <a:lumMod val="110000"/>
+                <a:satMod val="105000"/>
+                <a:tint val="67000"/>
+              </a:schemeClr>
+            </a:gs>
+            <a:gs pos="50000">
+              <a:schemeClr val="phClr">
+                <a:lumMod val="105000"/>
+                <a:satMod val="103000"/>
+                <a:tint val="73000"/>
+              </a:schemeClr>
+            </a:gs>
+            <a:gs pos="100000">
+              <a:schemeClr val="phClr">
+                <a:lumMod val="105000"/>
+                <a:satMod val="109000"/>
+                <a:tint val="81000"/>
+              </a:schemeClr>
+            </a:gs>
+          </a:gsLst>
+          <a:lin ang="5400000" scaled="0"/>
+        </a:gradFill>
+        <a:gradFill rotWithShape="1">
+          <a:gsLst>
+            <a:gs pos="0">
+              <a:schemeClr val="phClr">
+                <a:satMod val="103000"/>
+                <a:lumMod val="102000"/>
+                <a:tint val="94000"/>
+              </a:schemeClr>
+            </a:gs>
+            <a:gs pos="50000">
+              <a:schemeClr val="phClr">
+                <a:satMod val="110000"/>
+                <a:lumMod val="100000"/>
+                <a:shade val="100000"/>
+              </a:schemeClr>
+            </a:gs>
+            <a:gs pos="100000">
+              <a:schemeClr val="phClr">
+                <a:lumMod val="99000"/>
+                <a:satMod val="120000"/>
+                <a:shade val="78000"/>
+              </a:schemeClr>
+            </a:gs>
+          </a:gsLst>
+          <a:lin ang="5400000" scaled="0"/>
+        </a:gradFill>
+      </a:fillStyleLst>
+      <a:lnStyleLst>
+        <a:ln w="6350" cap="flat" cmpd="sng" algn="ctr">
+          <a:solidFill>
+            <a:schemeClr val="phClr"/>
+          </a:solidFill>
+          <a:prstDash val="solid"/>
+          <a:miter lim="800000"/>
+        </a:ln>
+        <a:ln w="12700" cap="flat" cmpd="sng" algn="ctr">
+          <a:solidFill>
+            <a:schemeClr val="phClr"/>
+          </a:solidFill>
+          <a:prstDash val="solid"/>
+          <a:miter lim="800000"/>
+        </a:ln>
+        <a:ln w="19050" cap="flat" cmpd="sng" algn="ctr">
+          <a:solidFill>
+            <a:schemeClr val="phClr"/>
+          </a:solidFill>
+          <a:prstDash val="solid"/>
+          <a:miter lim="800000"/>
+        </a:ln>
+      </a:lnStyleLst>
+      <a:effectStyleLst>
+        <a:effectStyle>
+          <a:effectLst/>
+        </a:effectStyle>
+        <a:effectStyle>
+          <a:effectLst/>
+        </a:effectStyle>
+        <a:effectStyle>
+          <a:effectLst>
+            <a:outerShdw blurRad="57150" dist="19050" dir="5400000" algn="ctr" rotWithShape="0">
+              <a:srgbClr val="000000">
+                <a:alpha val="63000"/>
+              </a:srgbClr>
+            </a:outerShdw>
+          </a:effectLst>
+        </a:effectStyle>
+      </a:effectStyleLst>
+      <a:bgFillStyleLst>
+        <a:solidFill>
+          <a:schemeClr val="phClr"/>
+        </a:solidFill>
+        <a:solidFill>
+          <a:schemeClr val="phClr">
+            <a:tint val="95000"/>
+            <a:satMod val="170000"/>
+          </a:schemeClr>
+        </a:solidFill>
+        <a:gradFill rotWithShape="1">
+          <a:gsLst>
+            <a:gs pos="0">
+              <a:schemeClr val="phClr">
+                <a:tint val="93000"/>
+                <a:satMod val="150000"/>
+                <a:shade val="98000"/>
+                <a:lumMod val="102000"/>
+              </a:schemeClr>
+            </a:gs>
+            <a:gs pos="50000">
+              <a:schemeClr val="phClr">
+                <a:tint val="98000"/>
+                <a:satMod val="130000"/>
+                <a:shade val="90000"/>
+                <a:lumMod val="103000"/>
+              </a:schemeClr>
+            </a:gs>
+            <a:gs pos="100000">
+              <a:schemeClr val="phClr">
+                <a:shade val="63000"/>
+                <a:satMod val="120000"/>
+              </a:schemeClr>
+            </a:gs>
+          </a:gsLst>
+          <a:lin ang="5400000" scaled="0"/>
+        </a:gradFill>
+      </a:bgFillStyleLst>
+    </a:fmtScheme>
+  </a:themeElements>
+  <a:objectDefaults/>
+  <a:extraClrSchemeLst/>
+  <a:extLst>
+    <a:ext uri="{05A4C25C-085E-4340-85A3-A5531E510DB2}">
+      <thm15:themeFamily xmlns:thm15="http://schemas.microsoft.com/office/thememl/2012/main" name="Office Theme" id="{62F939B6-93AF-4DB8-9C6B-D6C7DFDC589F}" vid="{4A3C46E8-61CC-4603-A589-7422A47A8E4A}"/>
+    </a:ext>
+  </a:extLst>
+</a:theme>
 </file>